--- a/Team BENGIO - Facial Expression Recognition.pptx
+++ b/Team BENGIO - Facial Expression Recognition.pptx
@@ -20784,7 +20784,7 @@
           <p:nvPr>
             <p:extLst>
               <p:ext uri="{D42A27DB-BD31-4B8C-83A1-F6EECF244321}">
-                <p14:modId xmlns:p14="http://schemas.microsoft.com/office/powerpoint/2010/main" val="2042146883"/>
+                <p14:modId xmlns:p14="http://schemas.microsoft.com/office/powerpoint/2010/main" val="744618382"/>
               </p:ext>
             </p:extLst>
           </p:nvPr>
@@ -20890,7 +20890,7 @@
                       <a:pPr algn="ctr"/>
                       <a:r>
                         <a:rPr lang="en-US" sz="1600" dirty="0"/>
-                        <a:t>DISUST</a:t>
+                        <a:t>DISGUST</a:t>
                       </a:r>
                     </a:p>
                   </a:txBody>
